--- a/Dev Documentation.pptx
+++ b/Dev Documentation.pptx
@@ -198,7 +198,7 @@
           <a:p>
             <a:fld id="{A5BF71A6-5A1C-4CB9-8595-96FF7ADE71C8}" type="datetimeFigureOut">
               <a:rPr lang="en-GB" smtClean="0"/>
-              <a:t>09/03/2020</a:t>
+              <a:t>16/03/2020</a:t>
             </a:fld>
             <a:endParaRPr lang="en-GB"/>
           </a:p>
@@ -615,7 +615,7 @@
           <a:p>
             <a:fld id="{4B6AF009-35B4-40FE-8673-73CCFBFA89D2}" type="datetimeFigureOut">
               <a:rPr lang="en-GB" smtClean="0"/>
-              <a:t>09/03/2020</a:t>
+              <a:t>16/03/2020</a:t>
             </a:fld>
             <a:endParaRPr lang="en-GB"/>
           </a:p>
@@ -815,7 +815,7 @@
           <a:p>
             <a:fld id="{4B6AF009-35B4-40FE-8673-73CCFBFA89D2}" type="datetimeFigureOut">
               <a:rPr lang="en-GB" smtClean="0"/>
-              <a:t>09/03/2020</a:t>
+              <a:t>16/03/2020</a:t>
             </a:fld>
             <a:endParaRPr lang="en-GB"/>
           </a:p>
@@ -1025,7 +1025,7 @@
           <a:p>
             <a:fld id="{4B6AF009-35B4-40FE-8673-73CCFBFA89D2}" type="datetimeFigureOut">
               <a:rPr lang="en-GB" smtClean="0"/>
-              <a:t>09/03/2020</a:t>
+              <a:t>16/03/2020</a:t>
             </a:fld>
             <a:endParaRPr lang="en-GB"/>
           </a:p>
@@ -1225,7 +1225,7 @@
           <a:p>
             <a:fld id="{4B6AF009-35B4-40FE-8673-73CCFBFA89D2}" type="datetimeFigureOut">
               <a:rPr lang="en-GB" smtClean="0"/>
-              <a:t>09/03/2020</a:t>
+              <a:t>16/03/2020</a:t>
             </a:fld>
             <a:endParaRPr lang="en-GB"/>
           </a:p>
@@ -1501,7 +1501,7 @@
           <a:p>
             <a:fld id="{4B6AF009-35B4-40FE-8673-73CCFBFA89D2}" type="datetimeFigureOut">
               <a:rPr lang="en-GB" smtClean="0"/>
-              <a:t>09/03/2020</a:t>
+              <a:t>16/03/2020</a:t>
             </a:fld>
             <a:endParaRPr lang="en-GB"/>
           </a:p>
@@ -1769,7 +1769,7 @@
           <a:p>
             <a:fld id="{4B6AF009-35B4-40FE-8673-73CCFBFA89D2}" type="datetimeFigureOut">
               <a:rPr lang="en-GB" smtClean="0"/>
-              <a:t>09/03/2020</a:t>
+              <a:t>16/03/2020</a:t>
             </a:fld>
             <a:endParaRPr lang="en-GB"/>
           </a:p>
@@ -2184,7 +2184,7 @@
           <a:p>
             <a:fld id="{4B6AF009-35B4-40FE-8673-73CCFBFA89D2}" type="datetimeFigureOut">
               <a:rPr lang="en-GB" smtClean="0"/>
-              <a:t>09/03/2020</a:t>
+              <a:t>16/03/2020</a:t>
             </a:fld>
             <a:endParaRPr lang="en-GB"/>
           </a:p>
@@ -2326,7 +2326,7 @@
           <a:p>
             <a:fld id="{4B6AF009-35B4-40FE-8673-73CCFBFA89D2}" type="datetimeFigureOut">
               <a:rPr lang="en-GB" smtClean="0"/>
-              <a:t>09/03/2020</a:t>
+              <a:t>16/03/2020</a:t>
             </a:fld>
             <a:endParaRPr lang="en-GB"/>
           </a:p>
@@ -2439,7 +2439,7 @@
           <a:p>
             <a:fld id="{4B6AF009-35B4-40FE-8673-73CCFBFA89D2}" type="datetimeFigureOut">
               <a:rPr lang="en-GB" smtClean="0"/>
-              <a:t>09/03/2020</a:t>
+              <a:t>16/03/2020</a:t>
             </a:fld>
             <a:endParaRPr lang="en-GB"/>
           </a:p>
@@ -2752,7 +2752,7 @@
           <a:p>
             <a:fld id="{4B6AF009-35B4-40FE-8673-73CCFBFA89D2}" type="datetimeFigureOut">
               <a:rPr lang="en-GB" smtClean="0"/>
-              <a:t>09/03/2020</a:t>
+              <a:t>16/03/2020</a:t>
             </a:fld>
             <a:endParaRPr lang="en-GB"/>
           </a:p>
@@ -3041,7 +3041,7 @@
           <a:p>
             <a:fld id="{4B6AF009-35B4-40FE-8673-73CCFBFA89D2}" type="datetimeFigureOut">
               <a:rPr lang="en-GB" smtClean="0"/>
-              <a:t>09/03/2020</a:t>
+              <a:t>16/03/2020</a:t>
             </a:fld>
             <a:endParaRPr lang="en-GB"/>
           </a:p>
@@ -3284,7 +3284,7 @@
           <a:p>
             <a:fld id="{4B6AF009-35B4-40FE-8673-73CCFBFA89D2}" type="datetimeFigureOut">
               <a:rPr lang="en-GB" smtClean="0"/>
-              <a:t>09/03/2020</a:t>
+              <a:t>16/03/2020</a:t>
             </a:fld>
             <a:endParaRPr lang="en-GB"/>
           </a:p>
@@ -3701,697 +3701,998 @@
           <a:chExt cx="0" cy="0"/>
         </a:xfrm>
       </p:grpSpPr>
-      <p:pic>
-        <p:nvPicPr>
-          <p:cNvPr id="4" name="Picture 3">
-            <a:extLst>
-              <a:ext uri="{FF2B5EF4-FFF2-40B4-BE49-F238E27FC236}">
-                <a16:creationId xmlns:a16="http://schemas.microsoft.com/office/drawing/2014/main" id="{76D36773-D3A4-4C7B-BB7F-7489E472FDB7}"/>
-              </a:ext>
-            </a:extLst>
-          </p:cNvPr>
-          <p:cNvPicPr>
-            <a:picLocks noChangeAspect="1"/>
-          </p:cNvPicPr>
+      <p:grpSp>
+        <p:nvGrpSpPr>
+          <p:cNvPr id="3" name="Group 2">
+            <a:extLst>
+              <a:ext uri="{FF2B5EF4-FFF2-40B4-BE49-F238E27FC236}">
+                <a16:creationId xmlns:a16="http://schemas.microsoft.com/office/drawing/2014/main" id="{5AD820EC-38D3-4394-9385-AD6A8CF43F35}"/>
+              </a:ext>
+            </a:extLst>
+          </p:cNvPr>
+          <p:cNvGrpSpPr/>
           <p:nvPr/>
-        </p:nvPicPr>
-        <p:blipFill>
-          <a:blip r:embed="rId2"/>
-          <a:stretch>
-            <a:fillRect/>
-          </a:stretch>
-        </p:blipFill>
-        <p:spPr>
+        </p:nvGrpSpPr>
+        <p:grpSpPr>
           <a:xfrm>
-            <a:off x="847725" y="804862"/>
+            <a:off x="847725" y="645064"/>
             <a:ext cx="10496550" cy="5248275"/>
+            <a:chOff x="847725" y="804862"/>
+            <a:chExt cx="10496550" cy="5248275"/>
           </a:xfrm>
-          <a:prstGeom prst="rect">
-            <a:avLst/>
-          </a:prstGeom>
-        </p:spPr>
-      </p:pic>
-      <p:sp>
-        <p:nvSpPr>
-          <p:cNvPr id="5" name="Oval 4">
-            <a:extLst>
-              <a:ext uri="{FF2B5EF4-FFF2-40B4-BE49-F238E27FC236}">
-                <a16:creationId xmlns:a16="http://schemas.microsoft.com/office/drawing/2014/main" id="{EC008582-BFD3-4C3A-B0F1-EB99FF595535}"/>
-              </a:ext>
-            </a:extLst>
-          </p:cNvPr>
-          <p:cNvSpPr/>
-          <p:nvPr/>
-        </p:nvSpPr>
-        <p:spPr>
-          <a:xfrm>
-            <a:off x="4891597" y="2692152"/>
-            <a:ext cx="328474" cy="326255"/>
-          </a:xfrm>
-          <a:prstGeom prst="ellipse">
-            <a:avLst/>
-          </a:prstGeom>
-          <a:noFill/>
-          <a:ln w="38100">
-            <a:solidFill>
-              <a:srgbClr val="FF0000"/>
-            </a:solidFill>
-          </a:ln>
-        </p:spPr>
-        <p:style>
-          <a:lnRef idx="2">
-            <a:schemeClr val="accent1">
-              <a:shade val="50000"/>
-            </a:schemeClr>
-          </a:lnRef>
-          <a:fillRef idx="1">
-            <a:schemeClr val="accent1"/>
-          </a:fillRef>
-          <a:effectRef idx="0">
-            <a:schemeClr val="accent1"/>
-          </a:effectRef>
-          <a:fontRef idx="minor">
-            <a:schemeClr val="lt1"/>
-          </a:fontRef>
-        </p:style>
-        <p:txBody>
-          <a:bodyPr rtlCol="0" anchor="ctr"/>
-          <a:lstStyle/>
-          <a:p>
-            <a:pPr algn="ctr"/>
-            <a:endParaRPr lang="en-GB"/>
-          </a:p>
-        </p:txBody>
-      </p:sp>
-      <p:sp>
-        <p:nvSpPr>
-          <p:cNvPr id="6" name="Oval 5">
-            <a:extLst>
-              <a:ext uri="{FF2B5EF4-FFF2-40B4-BE49-F238E27FC236}">
-                <a16:creationId xmlns:a16="http://schemas.microsoft.com/office/drawing/2014/main" id="{C8AA0255-CB02-408E-8857-E381D4E5A8A0}"/>
-              </a:ext>
-            </a:extLst>
-          </p:cNvPr>
-          <p:cNvSpPr/>
-          <p:nvPr/>
-        </p:nvSpPr>
-        <p:spPr>
-          <a:xfrm>
-            <a:off x="6096000" y="2755775"/>
-            <a:ext cx="328474" cy="326255"/>
-          </a:xfrm>
-          <a:prstGeom prst="ellipse">
-            <a:avLst/>
-          </a:prstGeom>
-          <a:noFill/>
-          <a:ln w="38100">
-            <a:solidFill>
-              <a:srgbClr val="FF0000"/>
-            </a:solidFill>
-          </a:ln>
-        </p:spPr>
-        <p:style>
-          <a:lnRef idx="2">
-            <a:schemeClr val="accent1">
-              <a:shade val="50000"/>
-            </a:schemeClr>
-          </a:lnRef>
-          <a:fillRef idx="1">
-            <a:schemeClr val="accent1"/>
-          </a:fillRef>
-          <a:effectRef idx="0">
-            <a:schemeClr val="accent1"/>
-          </a:effectRef>
-          <a:fontRef idx="minor">
-            <a:schemeClr val="lt1"/>
-          </a:fontRef>
-        </p:style>
-        <p:txBody>
-          <a:bodyPr rtlCol="0" anchor="ctr"/>
-          <a:lstStyle/>
-          <a:p>
-            <a:pPr algn="ctr"/>
-            <a:endParaRPr lang="en-GB"/>
-          </a:p>
-        </p:txBody>
-      </p:sp>
-      <p:sp>
-        <p:nvSpPr>
-          <p:cNvPr id="7" name="Rectangle 6">
-            <a:extLst>
-              <a:ext uri="{FF2B5EF4-FFF2-40B4-BE49-F238E27FC236}">
-                <a16:creationId xmlns:a16="http://schemas.microsoft.com/office/drawing/2014/main" id="{F0D91259-05B6-46C2-8965-C9C0D45DB0D4}"/>
-              </a:ext>
-            </a:extLst>
-          </p:cNvPr>
-          <p:cNvSpPr/>
-          <p:nvPr/>
-        </p:nvSpPr>
-        <p:spPr>
-          <a:xfrm rot="645367">
-            <a:off x="6630759" y="3809115"/>
-            <a:ext cx="2744876" cy="1272527"/>
-          </a:xfrm>
-          <a:prstGeom prst="rect">
-            <a:avLst/>
-          </a:prstGeom>
-          <a:noFill/>
-          <a:ln w="38100">
-            <a:solidFill>
-              <a:srgbClr val="00B050"/>
-            </a:solidFill>
-          </a:ln>
-        </p:spPr>
-        <p:style>
-          <a:lnRef idx="2">
-            <a:schemeClr val="accent1">
-              <a:shade val="50000"/>
-            </a:schemeClr>
-          </a:lnRef>
-          <a:fillRef idx="1">
-            <a:schemeClr val="accent1"/>
-          </a:fillRef>
-          <a:effectRef idx="0">
-            <a:schemeClr val="accent1"/>
-          </a:effectRef>
-          <a:fontRef idx="minor">
-            <a:schemeClr val="lt1"/>
-          </a:fontRef>
-        </p:style>
-        <p:txBody>
-          <a:bodyPr rtlCol="0" anchor="ctr"/>
-          <a:lstStyle/>
-          <a:p>
-            <a:pPr algn="ctr"/>
-            <a:endParaRPr lang="en-GB"/>
-          </a:p>
-        </p:txBody>
-      </p:sp>
-      <p:sp>
-        <p:nvSpPr>
-          <p:cNvPr id="9" name="Rectangle 8">
-            <a:extLst>
-              <a:ext uri="{FF2B5EF4-FFF2-40B4-BE49-F238E27FC236}">
-                <a16:creationId xmlns:a16="http://schemas.microsoft.com/office/drawing/2014/main" id="{AB84F499-F1B2-48CD-A90F-10E58451A2C5}"/>
-              </a:ext>
-            </a:extLst>
-          </p:cNvPr>
-          <p:cNvSpPr/>
-          <p:nvPr/>
-        </p:nvSpPr>
-        <p:spPr>
-          <a:xfrm rot="21408981">
-            <a:off x="4180967" y="2605143"/>
-            <a:ext cx="576969" cy="952013"/>
-          </a:xfrm>
-          <a:prstGeom prst="rect">
-            <a:avLst/>
-          </a:prstGeom>
-          <a:noFill/>
-          <a:ln w="38100">
-            <a:solidFill>
-              <a:srgbClr val="00B050"/>
-            </a:solidFill>
-          </a:ln>
-        </p:spPr>
-        <p:style>
-          <a:lnRef idx="2">
-            <a:schemeClr val="accent1">
-              <a:shade val="50000"/>
-            </a:schemeClr>
-          </a:lnRef>
-          <a:fillRef idx="1">
-            <a:schemeClr val="accent1"/>
-          </a:fillRef>
-          <a:effectRef idx="0">
-            <a:schemeClr val="accent1"/>
-          </a:effectRef>
-          <a:fontRef idx="minor">
-            <a:schemeClr val="lt1"/>
-          </a:fontRef>
-        </p:style>
-        <p:txBody>
-          <a:bodyPr rtlCol="0" anchor="ctr"/>
-          <a:lstStyle/>
-          <a:p>
-            <a:pPr algn="ctr"/>
-            <a:endParaRPr lang="en-GB"/>
-          </a:p>
-        </p:txBody>
-      </p:sp>
-      <p:sp>
-        <p:nvSpPr>
-          <p:cNvPr id="10" name="Rectangle 9">
-            <a:extLst>
-              <a:ext uri="{FF2B5EF4-FFF2-40B4-BE49-F238E27FC236}">
-                <a16:creationId xmlns:a16="http://schemas.microsoft.com/office/drawing/2014/main" id="{BF1D1B62-6689-4FC9-9DA1-74A6D08127BD}"/>
-              </a:ext>
-            </a:extLst>
-          </p:cNvPr>
-          <p:cNvSpPr/>
-          <p:nvPr/>
-        </p:nvSpPr>
-        <p:spPr>
-          <a:xfrm rot="21408981">
-            <a:off x="7079337" y="2846516"/>
-            <a:ext cx="328982" cy="310373"/>
-          </a:xfrm>
-          <a:prstGeom prst="rect">
-            <a:avLst/>
-          </a:prstGeom>
-          <a:noFill/>
-          <a:ln w="38100">
-            <a:solidFill>
-              <a:srgbClr val="00B050"/>
-            </a:solidFill>
-          </a:ln>
-        </p:spPr>
-        <p:style>
-          <a:lnRef idx="2">
-            <a:schemeClr val="accent1">
-              <a:shade val="50000"/>
-            </a:schemeClr>
-          </a:lnRef>
-          <a:fillRef idx="1">
-            <a:schemeClr val="accent1"/>
-          </a:fillRef>
-          <a:effectRef idx="0">
-            <a:schemeClr val="accent1"/>
-          </a:effectRef>
-          <a:fontRef idx="minor">
-            <a:schemeClr val="lt1"/>
-          </a:fontRef>
-        </p:style>
-        <p:txBody>
-          <a:bodyPr rtlCol="0" anchor="ctr"/>
-          <a:lstStyle/>
-          <a:p>
-            <a:pPr algn="ctr"/>
-            <a:endParaRPr lang="en-GB"/>
-          </a:p>
-        </p:txBody>
-      </p:sp>
-      <p:sp>
-        <p:nvSpPr>
-          <p:cNvPr id="11" name="Rectangle 10">
-            <a:extLst>
-              <a:ext uri="{FF2B5EF4-FFF2-40B4-BE49-F238E27FC236}">
-                <a16:creationId xmlns:a16="http://schemas.microsoft.com/office/drawing/2014/main" id="{8A471DB2-27C2-4BFB-9373-03D2603A587A}"/>
-              </a:ext>
-            </a:extLst>
-          </p:cNvPr>
-          <p:cNvSpPr/>
-          <p:nvPr/>
-        </p:nvSpPr>
-        <p:spPr>
-          <a:xfrm rot="20637420">
-            <a:off x="2136063" y="2282836"/>
-            <a:ext cx="1324610" cy="1127747"/>
-          </a:xfrm>
-          <a:prstGeom prst="rect">
-            <a:avLst/>
-          </a:prstGeom>
-          <a:noFill/>
-          <a:ln w="38100">
-            <a:solidFill>
-              <a:srgbClr val="0070C0"/>
-            </a:solidFill>
-          </a:ln>
-        </p:spPr>
-        <p:style>
-          <a:lnRef idx="2">
-            <a:schemeClr val="accent1">
-              <a:shade val="50000"/>
-            </a:schemeClr>
-          </a:lnRef>
-          <a:fillRef idx="1">
-            <a:schemeClr val="accent1"/>
-          </a:fillRef>
-          <a:effectRef idx="0">
-            <a:schemeClr val="accent1"/>
-          </a:effectRef>
-          <a:fontRef idx="minor">
-            <a:schemeClr val="lt1"/>
-          </a:fontRef>
-        </p:style>
-        <p:txBody>
-          <a:bodyPr rtlCol="0" anchor="ctr"/>
-          <a:lstStyle/>
-          <a:p>
-            <a:pPr algn="ctr"/>
-            <a:endParaRPr lang="en-GB"/>
-          </a:p>
-        </p:txBody>
-      </p:sp>
-      <p:sp>
-        <p:nvSpPr>
-          <p:cNvPr id="12" name="Rectangle 11">
-            <a:extLst>
-              <a:ext uri="{FF2B5EF4-FFF2-40B4-BE49-F238E27FC236}">
-                <a16:creationId xmlns:a16="http://schemas.microsoft.com/office/drawing/2014/main" id="{047A08B7-6196-4A46-B93A-D43730A7D9C0}"/>
-              </a:ext>
-            </a:extLst>
-          </p:cNvPr>
-          <p:cNvSpPr/>
-          <p:nvPr/>
-        </p:nvSpPr>
-        <p:spPr>
-          <a:xfrm rot="606062">
-            <a:off x="4777956" y="3413849"/>
-            <a:ext cx="1967923" cy="217874"/>
-          </a:xfrm>
-          <a:prstGeom prst="rect">
-            <a:avLst/>
-          </a:prstGeom>
-          <a:noFill/>
-          <a:ln w="38100">
-            <a:solidFill>
-              <a:srgbClr val="0070C0"/>
-            </a:solidFill>
-          </a:ln>
-        </p:spPr>
-        <p:style>
-          <a:lnRef idx="2">
-            <a:schemeClr val="accent1">
-              <a:shade val="50000"/>
-            </a:schemeClr>
-          </a:lnRef>
-          <a:fillRef idx="1">
-            <a:schemeClr val="accent1"/>
-          </a:fillRef>
-          <a:effectRef idx="0">
-            <a:schemeClr val="accent1"/>
-          </a:effectRef>
-          <a:fontRef idx="minor">
-            <a:schemeClr val="lt1"/>
-          </a:fontRef>
-        </p:style>
-        <p:txBody>
-          <a:bodyPr rtlCol="0" anchor="ctr"/>
-          <a:lstStyle/>
-          <a:p>
-            <a:pPr algn="ctr"/>
-            <a:endParaRPr lang="en-GB"/>
-          </a:p>
-        </p:txBody>
-      </p:sp>
-      <p:sp>
-        <p:nvSpPr>
-          <p:cNvPr id="13" name="TextBox 12">
-            <a:extLst>
-              <a:ext uri="{FF2B5EF4-FFF2-40B4-BE49-F238E27FC236}">
-                <a16:creationId xmlns:a16="http://schemas.microsoft.com/office/drawing/2014/main" id="{2AF23F61-E478-49CE-A547-313DF26EF0E4}"/>
-              </a:ext>
-            </a:extLst>
-          </p:cNvPr>
-          <p:cNvSpPr txBox="1"/>
-          <p:nvPr/>
-        </p:nvSpPr>
-        <p:spPr>
-          <a:xfrm rot="20578688">
-            <a:off x="2026696" y="2050742"/>
-            <a:ext cx="1075936" cy="307777"/>
-          </a:xfrm>
-          <a:prstGeom prst="rect">
-            <a:avLst/>
-          </a:prstGeom>
-          <a:noFill/>
-        </p:spPr>
-        <p:txBody>
-          <a:bodyPr wrap="none" rtlCol="0">
-            <a:spAutoFit/>
-          </a:bodyPr>
-          <a:lstStyle/>
-          <a:p>
-            <a:r>
-              <a:rPr lang="en-GB" sz="1400" dirty="0"/>
-              <a:t>Ship landing</a:t>
-            </a:r>
-          </a:p>
-        </p:txBody>
-      </p:sp>
-      <p:sp>
-        <p:nvSpPr>
-          <p:cNvPr id="15" name="TextBox 14">
-            <a:extLst>
-              <a:ext uri="{FF2B5EF4-FFF2-40B4-BE49-F238E27FC236}">
-                <a16:creationId xmlns:a16="http://schemas.microsoft.com/office/drawing/2014/main" id="{425696BE-E23E-4718-BB13-9C020F05BFFC}"/>
-              </a:ext>
-            </a:extLst>
-          </p:cNvPr>
-          <p:cNvSpPr txBox="1"/>
-          <p:nvPr/>
-        </p:nvSpPr>
-        <p:spPr>
-          <a:xfrm rot="649103">
-            <a:off x="7670563" y="5172711"/>
-            <a:ext cx="1358834" cy="307777"/>
-          </a:xfrm>
-          <a:prstGeom prst="rect">
-            <a:avLst/>
-          </a:prstGeom>
-          <a:noFill/>
-        </p:spPr>
-        <p:txBody>
-          <a:bodyPr wrap="none" rtlCol="0">
-            <a:spAutoFit/>
-          </a:bodyPr>
-          <a:lstStyle/>
-          <a:p>
-            <a:r>
-              <a:rPr lang="en-GB" sz="1400" dirty="0"/>
-              <a:t>User interaction</a:t>
-            </a:r>
-          </a:p>
-        </p:txBody>
-      </p:sp>
-      <p:sp>
-        <p:nvSpPr>
-          <p:cNvPr id="16" name="TextBox 15">
-            <a:extLst>
-              <a:ext uri="{FF2B5EF4-FFF2-40B4-BE49-F238E27FC236}">
-                <a16:creationId xmlns:a16="http://schemas.microsoft.com/office/drawing/2014/main" id="{A0FA7730-8FB5-4F7D-B499-E7F30A0CA59F}"/>
-              </a:ext>
-            </a:extLst>
-          </p:cNvPr>
-          <p:cNvSpPr txBox="1"/>
-          <p:nvPr/>
-        </p:nvSpPr>
-        <p:spPr>
-          <a:xfrm rot="258279">
-            <a:off x="5345041" y="2610235"/>
-            <a:ext cx="787844" cy="276999"/>
-          </a:xfrm>
-          <a:prstGeom prst="rect">
-            <a:avLst/>
-          </a:prstGeom>
-          <a:noFill/>
-        </p:spPr>
-        <p:txBody>
-          <a:bodyPr wrap="none" rtlCol="0">
-            <a:spAutoFit/>
-          </a:bodyPr>
-          <a:lstStyle/>
-          <a:p>
-            <a:r>
-              <a:rPr lang="en-GB" sz="1200" dirty="0"/>
-              <a:t>Obstacles</a:t>
-            </a:r>
-          </a:p>
-        </p:txBody>
-      </p:sp>
-      <p:sp>
-        <p:nvSpPr>
-          <p:cNvPr id="17" name="TextBox 16">
-            <a:extLst>
-              <a:ext uri="{FF2B5EF4-FFF2-40B4-BE49-F238E27FC236}">
-                <a16:creationId xmlns:a16="http://schemas.microsoft.com/office/drawing/2014/main" id="{A1CC6ADD-6E25-4907-AD93-1B1F2BAF6E6C}"/>
-              </a:ext>
-            </a:extLst>
-          </p:cNvPr>
-          <p:cNvSpPr txBox="1"/>
-          <p:nvPr/>
-        </p:nvSpPr>
-        <p:spPr>
-          <a:xfrm rot="687347">
-            <a:off x="5171972" y="3623741"/>
-            <a:ext cx="1252779" cy="276999"/>
-          </a:xfrm>
-          <a:prstGeom prst="rect">
-            <a:avLst/>
-          </a:prstGeom>
-          <a:noFill/>
-        </p:spPr>
-        <p:txBody>
-          <a:bodyPr wrap="none" rtlCol="0">
-            <a:spAutoFit/>
-          </a:bodyPr>
-          <a:lstStyle/>
-          <a:p>
-            <a:r>
-              <a:rPr lang="en-GB" sz="1200" dirty="0"/>
-              <a:t>Bridge animation</a:t>
-            </a:r>
-          </a:p>
-        </p:txBody>
-      </p:sp>
-      <p:sp>
-        <p:nvSpPr>
-          <p:cNvPr id="18" name="TextBox 17">
-            <a:extLst>
-              <a:ext uri="{FF2B5EF4-FFF2-40B4-BE49-F238E27FC236}">
-                <a16:creationId xmlns:a16="http://schemas.microsoft.com/office/drawing/2014/main" id="{32749CEB-1918-4909-A3A5-211D2B17D971}"/>
-              </a:ext>
-            </a:extLst>
-          </p:cNvPr>
-          <p:cNvSpPr txBox="1"/>
-          <p:nvPr/>
-        </p:nvSpPr>
-        <p:spPr>
-          <a:xfrm rot="21437466" flipH="1">
-            <a:off x="3912764" y="3552613"/>
-            <a:ext cx="1269458" cy="307777"/>
-          </a:xfrm>
-          <a:prstGeom prst="rect">
-            <a:avLst/>
-          </a:prstGeom>
-          <a:noFill/>
-        </p:spPr>
-        <p:txBody>
-          <a:bodyPr wrap="square" rtlCol="0">
-            <a:spAutoFit/>
-          </a:bodyPr>
-          <a:lstStyle/>
-          <a:p>
-            <a:r>
-              <a:rPr lang="en-GB" sz="1400" dirty="0"/>
-              <a:t>Enter gondola</a:t>
-            </a:r>
-          </a:p>
-        </p:txBody>
-      </p:sp>
-      <p:sp>
-        <p:nvSpPr>
-          <p:cNvPr id="19" name="TextBox 18">
-            <a:extLst>
-              <a:ext uri="{FF2B5EF4-FFF2-40B4-BE49-F238E27FC236}">
-                <a16:creationId xmlns:a16="http://schemas.microsoft.com/office/drawing/2014/main" id="{E4C2ACDF-9623-4262-B53A-458C556BED24}"/>
-              </a:ext>
-            </a:extLst>
-          </p:cNvPr>
-          <p:cNvSpPr txBox="1"/>
-          <p:nvPr/>
-        </p:nvSpPr>
-        <p:spPr>
-          <a:xfrm rot="21437466">
-            <a:off x="7363465" y="2868880"/>
-            <a:ext cx="1084336" cy="307777"/>
-          </a:xfrm>
-          <a:prstGeom prst="rect">
-            <a:avLst/>
-          </a:prstGeom>
-          <a:noFill/>
-        </p:spPr>
-        <p:txBody>
-          <a:bodyPr wrap="none" rtlCol="0">
-            <a:spAutoFit/>
-          </a:bodyPr>
-          <a:lstStyle/>
-          <a:p>
-            <a:r>
-              <a:rPr lang="en-GB" sz="1400" dirty="0"/>
-              <a:t>Exit gondola</a:t>
-            </a:r>
-          </a:p>
-        </p:txBody>
-      </p:sp>
-      <p:sp>
-        <p:nvSpPr>
-          <p:cNvPr id="20" name="Rectangle 19">
-            <a:extLst>
-              <a:ext uri="{FF2B5EF4-FFF2-40B4-BE49-F238E27FC236}">
-                <a16:creationId xmlns:a16="http://schemas.microsoft.com/office/drawing/2014/main" id="{97F5C353-22A7-45B6-A460-41EB66718162}"/>
-              </a:ext>
-            </a:extLst>
-          </p:cNvPr>
-          <p:cNvSpPr/>
-          <p:nvPr/>
-        </p:nvSpPr>
-        <p:spPr>
-          <a:xfrm rot="852721">
-            <a:off x="9840856" y="3614035"/>
-            <a:ext cx="682378" cy="329633"/>
-          </a:xfrm>
-          <a:prstGeom prst="rect">
-            <a:avLst/>
-          </a:prstGeom>
-          <a:noFill/>
-          <a:ln w="38100">
-            <a:solidFill>
-              <a:srgbClr val="00B050"/>
-            </a:solidFill>
-          </a:ln>
-        </p:spPr>
-        <p:style>
-          <a:lnRef idx="2">
-            <a:schemeClr val="accent1">
-              <a:shade val="50000"/>
-            </a:schemeClr>
-          </a:lnRef>
-          <a:fillRef idx="1">
-            <a:schemeClr val="accent1"/>
-          </a:fillRef>
-          <a:effectRef idx="0">
-            <a:schemeClr val="accent1"/>
-          </a:effectRef>
-          <a:fontRef idx="minor">
-            <a:schemeClr val="lt1"/>
-          </a:fontRef>
-        </p:style>
-        <p:txBody>
-          <a:bodyPr rtlCol="0" anchor="ctr"/>
-          <a:lstStyle/>
-          <a:p>
-            <a:pPr algn="ctr"/>
-            <a:endParaRPr lang="en-GB"/>
-          </a:p>
-        </p:txBody>
-      </p:sp>
-      <p:sp>
-        <p:nvSpPr>
-          <p:cNvPr id="21" name="TextBox 20">
-            <a:extLst>
-              <a:ext uri="{FF2B5EF4-FFF2-40B4-BE49-F238E27FC236}">
-                <a16:creationId xmlns:a16="http://schemas.microsoft.com/office/drawing/2014/main" id="{25D89A39-02CF-4EC9-B532-04809DFE7798}"/>
-              </a:ext>
-            </a:extLst>
-          </p:cNvPr>
-          <p:cNvSpPr txBox="1"/>
-          <p:nvPr/>
-        </p:nvSpPr>
-        <p:spPr>
-          <a:xfrm rot="916100">
-            <a:off x="9719863" y="3868502"/>
-            <a:ext cx="783676" cy="307777"/>
-          </a:xfrm>
-          <a:prstGeom prst="rect">
-            <a:avLst/>
-          </a:prstGeom>
-          <a:noFill/>
-        </p:spPr>
-        <p:txBody>
-          <a:bodyPr wrap="none" rtlCol="0">
-            <a:spAutoFit/>
-          </a:bodyPr>
-          <a:lstStyle/>
-          <a:p>
-            <a:r>
-              <a:rPr lang="en-GB" sz="1400" dirty="0"/>
-              <a:t>Elevator</a:t>
-            </a:r>
-          </a:p>
-        </p:txBody>
-      </p:sp>
+        </p:grpSpPr>
+        <p:pic>
+          <p:nvPicPr>
+            <p:cNvPr id="4" name="Picture 3">
+              <a:extLst>
+                <a:ext uri="{FF2B5EF4-FFF2-40B4-BE49-F238E27FC236}">
+                  <a16:creationId xmlns:a16="http://schemas.microsoft.com/office/drawing/2014/main" id="{76D36773-D3A4-4C7B-BB7F-7489E472FDB7}"/>
+                </a:ext>
+              </a:extLst>
+            </p:cNvPr>
+            <p:cNvPicPr>
+              <a:picLocks noChangeAspect="1"/>
+            </p:cNvPicPr>
+            <p:nvPr/>
+          </p:nvPicPr>
+          <p:blipFill>
+            <a:blip r:embed="rId2"/>
+            <a:stretch>
+              <a:fillRect/>
+            </a:stretch>
+          </p:blipFill>
+          <p:spPr>
+            <a:xfrm>
+              <a:off x="847725" y="804862"/>
+              <a:ext cx="10496550" cy="5248275"/>
+            </a:xfrm>
+            <a:prstGeom prst="rect">
+              <a:avLst/>
+            </a:prstGeom>
+          </p:spPr>
+        </p:pic>
+        <p:sp>
+          <p:nvSpPr>
+            <p:cNvPr id="5" name="Oval 4">
+              <a:extLst>
+                <a:ext uri="{FF2B5EF4-FFF2-40B4-BE49-F238E27FC236}">
+                  <a16:creationId xmlns:a16="http://schemas.microsoft.com/office/drawing/2014/main" id="{EC008582-BFD3-4C3A-B0F1-EB99FF595535}"/>
+                </a:ext>
+              </a:extLst>
+            </p:cNvPr>
+            <p:cNvSpPr/>
+            <p:nvPr/>
+          </p:nvSpPr>
+          <p:spPr>
+            <a:xfrm>
+              <a:off x="4891597" y="2692152"/>
+              <a:ext cx="328474" cy="326255"/>
+            </a:xfrm>
+            <a:prstGeom prst="ellipse">
+              <a:avLst/>
+            </a:prstGeom>
+            <a:noFill/>
+            <a:ln w="38100">
+              <a:solidFill>
+                <a:srgbClr val="FF0000"/>
+              </a:solidFill>
+            </a:ln>
+          </p:spPr>
+          <p:style>
+            <a:lnRef idx="2">
+              <a:schemeClr val="accent1">
+                <a:shade val="50000"/>
+              </a:schemeClr>
+            </a:lnRef>
+            <a:fillRef idx="1">
+              <a:schemeClr val="accent1"/>
+            </a:fillRef>
+            <a:effectRef idx="0">
+              <a:schemeClr val="accent1"/>
+            </a:effectRef>
+            <a:fontRef idx="minor">
+              <a:schemeClr val="lt1"/>
+            </a:fontRef>
+          </p:style>
+          <p:txBody>
+            <a:bodyPr rtlCol="0" anchor="ctr"/>
+            <a:lstStyle/>
+            <a:p>
+              <a:pPr algn="ctr"/>
+              <a:endParaRPr lang="en-GB"/>
+            </a:p>
+          </p:txBody>
+        </p:sp>
+        <p:sp>
+          <p:nvSpPr>
+            <p:cNvPr id="6" name="Oval 5">
+              <a:extLst>
+                <a:ext uri="{FF2B5EF4-FFF2-40B4-BE49-F238E27FC236}">
+                  <a16:creationId xmlns:a16="http://schemas.microsoft.com/office/drawing/2014/main" id="{C8AA0255-CB02-408E-8857-E381D4E5A8A0}"/>
+                </a:ext>
+              </a:extLst>
+            </p:cNvPr>
+            <p:cNvSpPr/>
+            <p:nvPr/>
+          </p:nvSpPr>
+          <p:spPr>
+            <a:xfrm>
+              <a:off x="6096000" y="2755775"/>
+              <a:ext cx="328474" cy="326255"/>
+            </a:xfrm>
+            <a:prstGeom prst="ellipse">
+              <a:avLst/>
+            </a:prstGeom>
+            <a:noFill/>
+            <a:ln w="38100">
+              <a:solidFill>
+                <a:srgbClr val="FF0000"/>
+              </a:solidFill>
+            </a:ln>
+          </p:spPr>
+          <p:style>
+            <a:lnRef idx="2">
+              <a:schemeClr val="accent1">
+                <a:shade val="50000"/>
+              </a:schemeClr>
+            </a:lnRef>
+            <a:fillRef idx="1">
+              <a:schemeClr val="accent1"/>
+            </a:fillRef>
+            <a:effectRef idx="0">
+              <a:schemeClr val="accent1"/>
+            </a:effectRef>
+            <a:fontRef idx="minor">
+              <a:schemeClr val="lt1"/>
+            </a:fontRef>
+          </p:style>
+          <p:txBody>
+            <a:bodyPr rtlCol="0" anchor="ctr"/>
+            <a:lstStyle/>
+            <a:p>
+              <a:pPr algn="ctr"/>
+              <a:endParaRPr lang="en-GB"/>
+            </a:p>
+          </p:txBody>
+        </p:sp>
+        <p:sp>
+          <p:nvSpPr>
+            <p:cNvPr id="7" name="Rectangle 6">
+              <a:extLst>
+                <a:ext uri="{FF2B5EF4-FFF2-40B4-BE49-F238E27FC236}">
+                  <a16:creationId xmlns:a16="http://schemas.microsoft.com/office/drawing/2014/main" id="{F0D91259-05B6-46C2-8965-C9C0D45DB0D4}"/>
+                </a:ext>
+              </a:extLst>
+            </p:cNvPr>
+            <p:cNvSpPr/>
+            <p:nvPr/>
+          </p:nvSpPr>
+          <p:spPr>
+            <a:xfrm rot="645367">
+              <a:off x="6630759" y="3809115"/>
+              <a:ext cx="2744876" cy="1272527"/>
+            </a:xfrm>
+            <a:prstGeom prst="rect">
+              <a:avLst/>
+            </a:prstGeom>
+            <a:noFill/>
+            <a:ln w="38100">
+              <a:solidFill>
+                <a:srgbClr val="00B050"/>
+              </a:solidFill>
+            </a:ln>
+          </p:spPr>
+          <p:style>
+            <a:lnRef idx="2">
+              <a:schemeClr val="accent1">
+                <a:shade val="50000"/>
+              </a:schemeClr>
+            </a:lnRef>
+            <a:fillRef idx="1">
+              <a:schemeClr val="accent1"/>
+            </a:fillRef>
+            <a:effectRef idx="0">
+              <a:schemeClr val="accent1"/>
+            </a:effectRef>
+            <a:fontRef idx="minor">
+              <a:schemeClr val="lt1"/>
+            </a:fontRef>
+          </p:style>
+          <p:txBody>
+            <a:bodyPr rtlCol="0" anchor="ctr"/>
+            <a:lstStyle/>
+            <a:p>
+              <a:pPr algn="ctr"/>
+              <a:endParaRPr lang="en-GB"/>
+            </a:p>
+          </p:txBody>
+        </p:sp>
+        <p:sp>
+          <p:nvSpPr>
+            <p:cNvPr id="9" name="Rectangle 8">
+              <a:extLst>
+                <a:ext uri="{FF2B5EF4-FFF2-40B4-BE49-F238E27FC236}">
+                  <a16:creationId xmlns:a16="http://schemas.microsoft.com/office/drawing/2014/main" id="{AB84F499-F1B2-48CD-A90F-10E58451A2C5}"/>
+                </a:ext>
+              </a:extLst>
+            </p:cNvPr>
+            <p:cNvSpPr/>
+            <p:nvPr/>
+          </p:nvSpPr>
+          <p:spPr>
+            <a:xfrm rot="21408981">
+              <a:off x="4180967" y="2605143"/>
+              <a:ext cx="576969" cy="952013"/>
+            </a:xfrm>
+            <a:prstGeom prst="rect">
+              <a:avLst/>
+            </a:prstGeom>
+            <a:noFill/>
+            <a:ln w="38100">
+              <a:solidFill>
+                <a:srgbClr val="00B050"/>
+              </a:solidFill>
+            </a:ln>
+          </p:spPr>
+          <p:style>
+            <a:lnRef idx="2">
+              <a:schemeClr val="accent1">
+                <a:shade val="50000"/>
+              </a:schemeClr>
+            </a:lnRef>
+            <a:fillRef idx="1">
+              <a:schemeClr val="accent1"/>
+            </a:fillRef>
+            <a:effectRef idx="0">
+              <a:schemeClr val="accent1"/>
+            </a:effectRef>
+            <a:fontRef idx="minor">
+              <a:schemeClr val="lt1"/>
+            </a:fontRef>
+          </p:style>
+          <p:txBody>
+            <a:bodyPr rtlCol="0" anchor="ctr"/>
+            <a:lstStyle/>
+            <a:p>
+              <a:pPr algn="ctr"/>
+              <a:endParaRPr lang="en-GB"/>
+            </a:p>
+          </p:txBody>
+        </p:sp>
+        <p:sp>
+          <p:nvSpPr>
+            <p:cNvPr id="10" name="Rectangle 9">
+              <a:extLst>
+                <a:ext uri="{FF2B5EF4-FFF2-40B4-BE49-F238E27FC236}">
+                  <a16:creationId xmlns:a16="http://schemas.microsoft.com/office/drawing/2014/main" id="{BF1D1B62-6689-4FC9-9DA1-74A6D08127BD}"/>
+                </a:ext>
+              </a:extLst>
+            </p:cNvPr>
+            <p:cNvSpPr/>
+            <p:nvPr/>
+          </p:nvSpPr>
+          <p:spPr>
+            <a:xfrm rot="21408981">
+              <a:off x="7079337" y="2846516"/>
+              <a:ext cx="328982" cy="310373"/>
+            </a:xfrm>
+            <a:prstGeom prst="rect">
+              <a:avLst/>
+            </a:prstGeom>
+            <a:noFill/>
+            <a:ln w="38100">
+              <a:solidFill>
+                <a:srgbClr val="00B050"/>
+              </a:solidFill>
+            </a:ln>
+          </p:spPr>
+          <p:style>
+            <a:lnRef idx="2">
+              <a:schemeClr val="accent1">
+                <a:shade val="50000"/>
+              </a:schemeClr>
+            </a:lnRef>
+            <a:fillRef idx="1">
+              <a:schemeClr val="accent1"/>
+            </a:fillRef>
+            <a:effectRef idx="0">
+              <a:schemeClr val="accent1"/>
+            </a:effectRef>
+            <a:fontRef idx="minor">
+              <a:schemeClr val="lt1"/>
+            </a:fontRef>
+          </p:style>
+          <p:txBody>
+            <a:bodyPr rtlCol="0" anchor="ctr"/>
+            <a:lstStyle/>
+            <a:p>
+              <a:pPr algn="ctr"/>
+              <a:endParaRPr lang="en-GB"/>
+            </a:p>
+          </p:txBody>
+        </p:sp>
+        <p:sp>
+          <p:nvSpPr>
+            <p:cNvPr id="11" name="Rectangle 10">
+              <a:extLst>
+                <a:ext uri="{FF2B5EF4-FFF2-40B4-BE49-F238E27FC236}">
+                  <a16:creationId xmlns:a16="http://schemas.microsoft.com/office/drawing/2014/main" id="{8A471DB2-27C2-4BFB-9373-03D2603A587A}"/>
+                </a:ext>
+              </a:extLst>
+            </p:cNvPr>
+            <p:cNvSpPr/>
+            <p:nvPr/>
+          </p:nvSpPr>
+          <p:spPr>
+            <a:xfrm rot="20637420">
+              <a:off x="2136063" y="2282836"/>
+              <a:ext cx="1324610" cy="1127747"/>
+            </a:xfrm>
+            <a:prstGeom prst="rect">
+              <a:avLst/>
+            </a:prstGeom>
+            <a:noFill/>
+            <a:ln w="38100">
+              <a:solidFill>
+                <a:srgbClr val="0070C0"/>
+              </a:solidFill>
+            </a:ln>
+          </p:spPr>
+          <p:style>
+            <a:lnRef idx="2">
+              <a:schemeClr val="accent1">
+                <a:shade val="50000"/>
+              </a:schemeClr>
+            </a:lnRef>
+            <a:fillRef idx="1">
+              <a:schemeClr val="accent1"/>
+            </a:fillRef>
+            <a:effectRef idx="0">
+              <a:schemeClr val="accent1"/>
+            </a:effectRef>
+            <a:fontRef idx="minor">
+              <a:schemeClr val="lt1"/>
+            </a:fontRef>
+          </p:style>
+          <p:txBody>
+            <a:bodyPr rtlCol="0" anchor="ctr"/>
+            <a:lstStyle/>
+            <a:p>
+              <a:pPr algn="ctr"/>
+              <a:endParaRPr lang="en-GB"/>
+            </a:p>
+          </p:txBody>
+        </p:sp>
+        <p:sp>
+          <p:nvSpPr>
+            <p:cNvPr id="12" name="Rectangle 11">
+              <a:extLst>
+                <a:ext uri="{FF2B5EF4-FFF2-40B4-BE49-F238E27FC236}">
+                  <a16:creationId xmlns:a16="http://schemas.microsoft.com/office/drawing/2014/main" id="{047A08B7-6196-4A46-B93A-D43730A7D9C0}"/>
+                </a:ext>
+              </a:extLst>
+            </p:cNvPr>
+            <p:cNvSpPr/>
+            <p:nvPr/>
+          </p:nvSpPr>
+          <p:spPr>
+            <a:xfrm rot="606062">
+              <a:off x="4777956" y="3413849"/>
+              <a:ext cx="1967923" cy="217874"/>
+            </a:xfrm>
+            <a:prstGeom prst="rect">
+              <a:avLst/>
+            </a:prstGeom>
+            <a:noFill/>
+            <a:ln w="38100">
+              <a:solidFill>
+                <a:srgbClr val="0070C0"/>
+              </a:solidFill>
+            </a:ln>
+          </p:spPr>
+          <p:style>
+            <a:lnRef idx="2">
+              <a:schemeClr val="accent1">
+                <a:shade val="50000"/>
+              </a:schemeClr>
+            </a:lnRef>
+            <a:fillRef idx="1">
+              <a:schemeClr val="accent1"/>
+            </a:fillRef>
+            <a:effectRef idx="0">
+              <a:schemeClr val="accent1"/>
+            </a:effectRef>
+            <a:fontRef idx="minor">
+              <a:schemeClr val="lt1"/>
+            </a:fontRef>
+          </p:style>
+          <p:txBody>
+            <a:bodyPr rtlCol="0" anchor="ctr"/>
+            <a:lstStyle/>
+            <a:p>
+              <a:pPr algn="ctr"/>
+              <a:endParaRPr lang="en-GB"/>
+            </a:p>
+          </p:txBody>
+        </p:sp>
+        <p:sp>
+          <p:nvSpPr>
+            <p:cNvPr id="13" name="TextBox 12">
+              <a:extLst>
+                <a:ext uri="{FF2B5EF4-FFF2-40B4-BE49-F238E27FC236}">
+                  <a16:creationId xmlns:a16="http://schemas.microsoft.com/office/drawing/2014/main" id="{2AF23F61-E478-49CE-A547-313DF26EF0E4}"/>
+                </a:ext>
+              </a:extLst>
+            </p:cNvPr>
+            <p:cNvSpPr txBox="1"/>
+            <p:nvPr/>
+          </p:nvSpPr>
+          <p:spPr>
+            <a:xfrm rot="20578688">
+              <a:off x="2026696" y="2050742"/>
+              <a:ext cx="1075936" cy="307777"/>
+            </a:xfrm>
+            <a:prstGeom prst="rect">
+              <a:avLst/>
+            </a:prstGeom>
+            <a:noFill/>
+          </p:spPr>
+          <p:txBody>
+            <a:bodyPr wrap="none" rtlCol="0">
+              <a:spAutoFit/>
+            </a:bodyPr>
+            <a:lstStyle/>
+            <a:p>
+              <a:r>
+                <a:rPr lang="en-GB" sz="1400" dirty="0"/>
+                <a:t>Ship landing</a:t>
+              </a:r>
+            </a:p>
+          </p:txBody>
+        </p:sp>
+        <p:sp>
+          <p:nvSpPr>
+            <p:cNvPr id="15" name="TextBox 14">
+              <a:extLst>
+                <a:ext uri="{FF2B5EF4-FFF2-40B4-BE49-F238E27FC236}">
+                  <a16:creationId xmlns:a16="http://schemas.microsoft.com/office/drawing/2014/main" id="{425696BE-E23E-4718-BB13-9C020F05BFFC}"/>
+                </a:ext>
+              </a:extLst>
+            </p:cNvPr>
+            <p:cNvSpPr txBox="1"/>
+            <p:nvPr/>
+          </p:nvSpPr>
+          <p:spPr>
+            <a:xfrm rot="649103">
+              <a:off x="7670563" y="5172711"/>
+              <a:ext cx="1358834" cy="307777"/>
+            </a:xfrm>
+            <a:prstGeom prst="rect">
+              <a:avLst/>
+            </a:prstGeom>
+            <a:noFill/>
+          </p:spPr>
+          <p:txBody>
+            <a:bodyPr wrap="none" rtlCol="0">
+              <a:spAutoFit/>
+            </a:bodyPr>
+            <a:lstStyle/>
+            <a:p>
+              <a:r>
+                <a:rPr lang="en-GB" sz="1400" dirty="0"/>
+                <a:t>User interaction</a:t>
+              </a:r>
+            </a:p>
+          </p:txBody>
+        </p:sp>
+        <p:sp>
+          <p:nvSpPr>
+            <p:cNvPr id="16" name="TextBox 15">
+              <a:extLst>
+                <a:ext uri="{FF2B5EF4-FFF2-40B4-BE49-F238E27FC236}">
+                  <a16:creationId xmlns:a16="http://schemas.microsoft.com/office/drawing/2014/main" id="{A0FA7730-8FB5-4F7D-B499-E7F30A0CA59F}"/>
+                </a:ext>
+              </a:extLst>
+            </p:cNvPr>
+            <p:cNvSpPr txBox="1"/>
+            <p:nvPr/>
+          </p:nvSpPr>
+          <p:spPr>
+            <a:xfrm rot="258279">
+              <a:off x="5345041" y="2610235"/>
+              <a:ext cx="787844" cy="276999"/>
+            </a:xfrm>
+            <a:prstGeom prst="rect">
+              <a:avLst/>
+            </a:prstGeom>
+            <a:noFill/>
+          </p:spPr>
+          <p:txBody>
+            <a:bodyPr wrap="none" rtlCol="0">
+              <a:spAutoFit/>
+            </a:bodyPr>
+            <a:lstStyle/>
+            <a:p>
+              <a:r>
+                <a:rPr lang="en-GB" sz="1200" dirty="0"/>
+                <a:t>Obstacles</a:t>
+              </a:r>
+            </a:p>
+          </p:txBody>
+        </p:sp>
+        <p:sp>
+          <p:nvSpPr>
+            <p:cNvPr id="17" name="TextBox 16">
+              <a:extLst>
+                <a:ext uri="{FF2B5EF4-FFF2-40B4-BE49-F238E27FC236}">
+                  <a16:creationId xmlns:a16="http://schemas.microsoft.com/office/drawing/2014/main" id="{A1CC6ADD-6E25-4907-AD93-1B1F2BAF6E6C}"/>
+                </a:ext>
+              </a:extLst>
+            </p:cNvPr>
+            <p:cNvSpPr txBox="1"/>
+            <p:nvPr/>
+          </p:nvSpPr>
+          <p:spPr>
+            <a:xfrm rot="687347">
+              <a:off x="5171972" y="3623741"/>
+              <a:ext cx="1252779" cy="276999"/>
+            </a:xfrm>
+            <a:prstGeom prst="rect">
+              <a:avLst/>
+            </a:prstGeom>
+            <a:noFill/>
+          </p:spPr>
+          <p:txBody>
+            <a:bodyPr wrap="none" rtlCol="0">
+              <a:spAutoFit/>
+            </a:bodyPr>
+            <a:lstStyle/>
+            <a:p>
+              <a:r>
+                <a:rPr lang="en-GB" sz="1200" dirty="0"/>
+                <a:t>Bridge animation</a:t>
+              </a:r>
+            </a:p>
+          </p:txBody>
+        </p:sp>
+        <p:sp>
+          <p:nvSpPr>
+            <p:cNvPr id="18" name="TextBox 17">
+              <a:extLst>
+                <a:ext uri="{FF2B5EF4-FFF2-40B4-BE49-F238E27FC236}">
+                  <a16:creationId xmlns:a16="http://schemas.microsoft.com/office/drawing/2014/main" id="{32749CEB-1918-4909-A3A5-211D2B17D971}"/>
+                </a:ext>
+              </a:extLst>
+            </p:cNvPr>
+            <p:cNvSpPr txBox="1"/>
+            <p:nvPr/>
+          </p:nvSpPr>
+          <p:spPr>
+            <a:xfrm rot="21437466" flipH="1">
+              <a:off x="3912764" y="3552613"/>
+              <a:ext cx="1269458" cy="307777"/>
+            </a:xfrm>
+            <a:prstGeom prst="rect">
+              <a:avLst/>
+            </a:prstGeom>
+            <a:noFill/>
+          </p:spPr>
+          <p:txBody>
+            <a:bodyPr wrap="square" rtlCol="0">
+              <a:spAutoFit/>
+            </a:bodyPr>
+            <a:lstStyle/>
+            <a:p>
+              <a:r>
+                <a:rPr lang="en-GB" sz="1400" dirty="0"/>
+                <a:t>Enter gondola</a:t>
+              </a:r>
+            </a:p>
+          </p:txBody>
+        </p:sp>
+        <p:sp>
+          <p:nvSpPr>
+            <p:cNvPr id="19" name="TextBox 18">
+              <a:extLst>
+                <a:ext uri="{FF2B5EF4-FFF2-40B4-BE49-F238E27FC236}">
+                  <a16:creationId xmlns:a16="http://schemas.microsoft.com/office/drawing/2014/main" id="{E4C2ACDF-9623-4262-B53A-458C556BED24}"/>
+                </a:ext>
+              </a:extLst>
+            </p:cNvPr>
+            <p:cNvSpPr txBox="1"/>
+            <p:nvPr/>
+          </p:nvSpPr>
+          <p:spPr>
+            <a:xfrm rot="21437466">
+              <a:off x="7363465" y="2868880"/>
+              <a:ext cx="1084336" cy="307777"/>
+            </a:xfrm>
+            <a:prstGeom prst="rect">
+              <a:avLst/>
+            </a:prstGeom>
+            <a:noFill/>
+          </p:spPr>
+          <p:txBody>
+            <a:bodyPr wrap="none" rtlCol="0">
+              <a:spAutoFit/>
+            </a:bodyPr>
+            <a:lstStyle/>
+            <a:p>
+              <a:r>
+                <a:rPr lang="en-GB" sz="1400" dirty="0"/>
+                <a:t>Exit gondola</a:t>
+              </a:r>
+            </a:p>
+          </p:txBody>
+        </p:sp>
+        <p:sp>
+          <p:nvSpPr>
+            <p:cNvPr id="20" name="Rectangle 19">
+              <a:extLst>
+                <a:ext uri="{FF2B5EF4-FFF2-40B4-BE49-F238E27FC236}">
+                  <a16:creationId xmlns:a16="http://schemas.microsoft.com/office/drawing/2014/main" id="{97F5C353-22A7-45B6-A460-41EB66718162}"/>
+                </a:ext>
+              </a:extLst>
+            </p:cNvPr>
+            <p:cNvSpPr/>
+            <p:nvPr/>
+          </p:nvSpPr>
+          <p:spPr>
+            <a:xfrm rot="852721">
+              <a:off x="9840856" y="3614035"/>
+              <a:ext cx="682378" cy="329633"/>
+            </a:xfrm>
+            <a:prstGeom prst="rect">
+              <a:avLst/>
+            </a:prstGeom>
+            <a:noFill/>
+            <a:ln w="38100">
+              <a:solidFill>
+                <a:srgbClr val="00B050"/>
+              </a:solidFill>
+            </a:ln>
+          </p:spPr>
+          <p:style>
+            <a:lnRef idx="2">
+              <a:schemeClr val="accent1">
+                <a:shade val="50000"/>
+              </a:schemeClr>
+            </a:lnRef>
+            <a:fillRef idx="1">
+              <a:schemeClr val="accent1"/>
+            </a:fillRef>
+            <a:effectRef idx="0">
+              <a:schemeClr val="accent1"/>
+            </a:effectRef>
+            <a:fontRef idx="minor">
+              <a:schemeClr val="lt1"/>
+            </a:fontRef>
+          </p:style>
+          <p:txBody>
+            <a:bodyPr rtlCol="0" anchor="ctr"/>
+            <a:lstStyle/>
+            <a:p>
+              <a:pPr algn="ctr"/>
+              <a:endParaRPr lang="en-GB"/>
+            </a:p>
+          </p:txBody>
+        </p:sp>
+        <p:sp>
+          <p:nvSpPr>
+            <p:cNvPr id="21" name="TextBox 20">
+              <a:extLst>
+                <a:ext uri="{FF2B5EF4-FFF2-40B4-BE49-F238E27FC236}">
+                  <a16:creationId xmlns:a16="http://schemas.microsoft.com/office/drawing/2014/main" id="{25D89A39-02CF-4EC9-B532-04809DFE7798}"/>
+                </a:ext>
+              </a:extLst>
+            </p:cNvPr>
+            <p:cNvSpPr txBox="1"/>
+            <p:nvPr/>
+          </p:nvSpPr>
+          <p:spPr>
+            <a:xfrm rot="916100">
+              <a:off x="9719863" y="3868502"/>
+              <a:ext cx="783676" cy="307777"/>
+            </a:xfrm>
+            <a:prstGeom prst="rect">
+              <a:avLst/>
+            </a:prstGeom>
+            <a:noFill/>
+          </p:spPr>
+          <p:txBody>
+            <a:bodyPr wrap="none" rtlCol="0">
+              <a:spAutoFit/>
+            </a:bodyPr>
+            <a:lstStyle/>
+            <a:p>
+              <a:r>
+                <a:rPr lang="en-GB" sz="1400" dirty="0"/>
+                <a:t>Elevator</a:t>
+              </a:r>
+            </a:p>
+          </p:txBody>
+        </p:sp>
+        <p:sp>
+          <p:nvSpPr>
+            <p:cNvPr id="2" name="TextBox 1">
+              <a:extLst>
+                <a:ext uri="{FF2B5EF4-FFF2-40B4-BE49-F238E27FC236}">
+                  <a16:creationId xmlns:a16="http://schemas.microsoft.com/office/drawing/2014/main" id="{8D3643AD-E19A-46E0-B664-74141F2236FD}"/>
+                </a:ext>
+              </a:extLst>
+            </p:cNvPr>
+            <p:cNvSpPr txBox="1"/>
+            <p:nvPr/>
+          </p:nvSpPr>
+          <p:spPr>
+            <a:xfrm>
+              <a:off x="5163677" y="2731745"/>
+              <a:ext cx="301686" cy="369332"/>
+            </a:xfrm>
+            <a:prstGeom prst="rect">
+              <a:avLst/>
+            </a:prstGeom>
+            <a:noFill/>
+          </p:spPr>
+          <p:txBody>
+            <a:bodyPr wrap="none" rtlCol="0">
+              <a:spAutoFit/>
+            </a:bodyPr>
+            <a:lstStyle/>
+            <a:p>
+              <a:r>
+                <a:rPr lang="en-GB" dirty="0"/>
+                <a:t>1</a:t>
+              </a:r>
+            </a:p>
+          </p:txBody>
+        </p:sp>
+        <p:sp>
+          <p:nvSpPr>
+            <p:cNvPr id="22" name="TextBox 21">
+              <a:extLst>
+                <a:ext uri="{FF2B5EF4-FFF2-40B4-BE49-F238E27FC236}">
+                  <a16:creationId xmlns:a16="http://schemas.microsoft.com/office/drawing/2014/main" id="{76300B7F-53B4-4BE6-AD25-33943F1F9496}"/>
+                </a:ext>
+              </a:extLst>
+            </p:cNvPr>
+            <p:cNvSpPr txBox="1"/>
+            <p:nvPr/>
+          </p:nvSpPr>
+          <p:spPr>
+            <a:xfrm>
+              <a:off x="3920586" y="3202325"/>
+              <a:ext cx="301686" cy="369332"/>
+            </a:xfrm>
+            <a:prstGeom prst="rect">
+              <a:avLst/>
+            </a:prstGeom>
+            <a:noFill/>
+          </p:spPr>
+          <p:txBody>
+            <a:bodyPr wrap="none" rtlCol="0">
+              <a:spAutoFit/>
+            </a:bodyPr>
+            <a:lstStyle/>
+            <a:p>
+              <a:r>
+                <a:rPr lang="en-GB" dirty="0"/>
+                <a:t>2</a:t>
+              </a:r>
+            </a:p>
+          </p:txBody>
+        </p:sp>
+        <p:sp>
+          <p:nvSpPr>
+            <p:cNvPr id="23" name="TextBox 22">
+              <a:extLst>
+                <a:ext uri="{FF2B5EF4-FFF2-40B4-BE49-F238E27FC236}">
+                  <a16:creationId xmlns:a16="http://schemas.microsoft.com/office/drawing/2014/main" id="{84E94A7D-95F6-40AC-9E47-D92082C730D0}"/>
+                </a:ext>
+              </a:extLst>
+            </p:cNvPr>
+            <p:cNvSpPr txBox="1"/>
+            <p:nvPr/>
+          </p:nvSpPr>
+          <p:spPr>
+            <a:xfrm>
+              <a:off x="5611074" y="3751631"/>
+              <a:ext cx="301686" cy="369332"/>
+            </a:xfrm>
+            <a:prstGeom prst="rect">
+              <a:avLst/>
+            </a:prstGeom>
+            <a:noFill/>
+          </p:spPr>
+          <p:txBody>
+            <a:bodyPr wrap="none" rtlCol="0">
+              <a:spAutoFit/>
+            </a:bodyPr>
+            <a:lstStyle/>
+            <a:p>
+              <a:r>
+                <a:rPr lang="en-GB" dirty="0"/>
+                <a:t>3</a:t>
+              </a:r>
+            </a:p>
+          </p:txBody>
+        </p:sp>
+        <p:sp>
+          <p:nvSpPr>
+            <p:cNvPr id="24" name="TextBox 23">
+              <a:extLst>
+                <a:ext uri="{FF2B5EF4-FFF2-40B4-BE49-F238E27FC236}">
+                  <a16:creationId xmlns:a16="http://schemas.microsoft.com/office/drawing/2014/main" id="{D25B8A6B-7FDE-4FFA-B73F-919ACD2A9166}"/>
+                </a:ext>
+              </a:extLst>
+            </p:cNvPr>
+            <p:cNvSpPr txBox="1"/>
+            <p:nvPr/>
+          </p:nvSpPr>
+          <p:spPr>
+            <a:xfrm>
+              <a:off x="6132705" y="2428303"/>
+              <a:ext cx="301686" cy="369332"/>
+            </a:xfrm>
+            <a:prstGeom prst="rect">
+              <a:avLst/>
+            </a:prstGeom>
+            <a:noFill/>
+          </p:spPr>
+          <p:txBody>
+            <a:bodyPr wrap="none" rtlCol="0">
+              <a:spAutoFit/>
+            </a:bodyPr>
+            <a:lstStyle/>
+            <a:p>
+              <a:r>
+                <a:rPr lang="en-GB" dirty="0"/>
+                <a:t>4</a:t>
+              </a:r>
+            </a:p>
+          </p:txBody>
+        </p:sp>
+        <p:sp>
+          <p:nvSpPr>
+            <p:cNvPr id="25" name="TextBox 24">
+              <a:extLst>
+                <a:ext uri="{FF2B5EF4-FFF2-40B4-BE49-F238E27FC236}">
+                  <a16:creationId xmlns:a16="http://schemas.microsoft.com/office/drawing/2014/main" id="{DBDE09F4-F088-4556-B8BE-8C991DC91389}"/>
+                </a:ext>
+              </a:extLst>
+            </p:cNvPr>
+            <p:cNvSpPr txBox="1"/>
+            <p:nvPr/>
+          </p:nvSpPr>
+          <p:spPr>
+            <a:xfrm>
+              <a:off x="7092985" y="2498702"/>
+              <a:ext cx="301686" cy="369332"/>
+            </a:xfrm>
+            <a:prstGeom prst="rect">
+              <a:avLst/>
+            </a:prstGeom>
+            <a:noFill/>
+          </p:spPr>
+          <p:txBody>
+            <a:bodyPr wrap="none" rtlCol="0">
+              <a:spAutoFit/>
+            </a:bodyPr>
+            <a:lstStyle/>
+            <a:p>
+              <a:r>
+                <a:rPr lang="en-GB" dirty="0"/>
+                <a:t>5</a:t>
+              </a:r>
+            </a:p>
+          </p:txBody>
+        </p:sp>
+        <p:sp>
+          <p:nvSpPr>
+            <p:cNvPr id="26" name="TextBox 25">
+              <a:extLst>
+                <a:ext uri="{FF2B5EF4-FFF2-40B4-BE49-F238E27FC236}">
+                  <a16:creationId xmlns:a16="http://schemas.microsoft.com/office/drawing/2014/main" id="{BB376CF1-6BED-454A-B52E-7E5569F6F46B}"/>
+                </a:ext>
+              </a:extLst>
+            </p:cNvPr>
+            <p:cNvSpPr txBox="1"/>
+            <p:nvPr/>
+          </p:nvSpPr>
+          <p:spPr>
+            <a:xfrm>
+              <a:off x="1894623" y="3072271"/>
+              <a:ext cx="301686" cy="369332"/>
+            </a:xfrm>
+            <a:prstGeom prst="rect">
+              <a:avLst/>
+            </a:prstGeom>
+            <a:noFill/>
+          </p:spPr>
+          <p:txBody>
+            <a:bodyPr wrap="none" rtlCol="0">
+              <a:spAutoFit/>
+            </a:bodyPr>
+            <a:lstStyle/>
+            <a:p>
+              <a:r>
+                <a:rPr lang="en-GB" dirty="0"/>
+                <a:t>6</a:t>
+              </a:r>
+            </a:p>
+          </p:txBody>
+        </p:sp>
+        <p:sp>
+          <p:nvSpPr>
+            <p:cNvPr id="27" name="TextBox 26">
+              <a:extLst>
+                <a:ext uri="{FF2B5EF4-FFF2-40B4-BE49-F238E27FC236}">
+                  <a16:creationId xmlns:a16="http://schemas.microsoft.com/office/drawing/2014/main" id="{0D749DB2-2D05-4139-93ED-B1BE3BACFB3F}"/>
+                </a:ext>
+              </a:extLst>
+            </p:cNvPr>
+            <p:cNvSpPr txBox="1"/>
+            <p:nvPr/>
+          </p:nvSpPr>
+          <p:spPr>
+            <a:xfrm>
+              <a:off x="9280032" y="4962801"/>
+              <a:ext cx="301686" cy="369332"/>
+            </a:xfrm>
+            <a:prstGeom prst="rect">
+              <a:avLst/>
+            </a:prstGeom>
+            <a:noFill/>
+          </p:spPr>
+          <p:txBody>
+            <a:bodyPr wrap="none" rtlCol="0">
+              <a:spAutoFit/>
+            </a:bodyPr>
+            <a:lstStyle/>
+            <a:p>
+              <a:r>
+                <a:rPr lang="en-GB" dirty="0"/>
+                <a:t>7</a:t>
+              </a:r>
+            </a:p>
+          </p:txBody>
+        </p:sp>
+        <p:sp>
+          <p:nvSpPr>
+            <p:cNvPr id="28" name="TextBox 27">
+              <a:extLst>
+                <a:ext uri="{FF2B5EF4-FFF2-40B4-BE49-F238E27FC236}">
+                  <a16:creationId xmlns:a16="http://schemas.microsoft.com/office/drawing/2014/main" id="{8A223FB6-5853-4BDC-B972-13FC6F5F1212}"/>
+                </a:ext>
+              </a:extLst>
+            </p:cNvPr>
+            <p:cNvSpPr txBox="1"/>
+            <p:nvPr/>
+          </p:nvSpPr>
+          <p:spPr>
+            <a:xfrm>
+              <a:off x="10455669" y="3936297"/>
+              <a:ext cx="301686" cy="369332"/>
+            </a:xfrm>
+            <a:prstGeom prst="rect">
+              <a:avLst/>
+            </a:prstGeom>
+            <a:noFill/>
+          </p:spPr>
+          <p:txBody>
+            <a:bodyPr wrap="none" rtlCol="0">
+              <a:spAutoFit/>
+            </a:bodyPr>
+            <a:lstStyle/>
+            <a:p>
+              <a:r>
+                <a:rPr lang="en-GB" dirty="0"/>
+                <a:t>8</a:t>
+              </a:r>
+            </a:p>
+          </p:txBody>
+        </p:sp>
+      </p:grpSp>
     </p:spTree>
     <p:extLst>
       <p:ext uri="{BB962C8B-B14F-4D97-AF65-F5344CB8AC3E}">
